--- a/resources/hist.pptx
+++ b/resources/hist.pptx
@@ -264,7 +264,7 @@
           <a:p>
             <a:fld id="{D4C3FEE2-A06E-CF46-9DEA-A50F2A1D50FA}" type="datetimeFigureOut">
               <a:rPr lang="en-US" smtClean="0"/>
-              <a:t>3/5/25</a:t>
+              <a:t>4/21/25</a:t>
             </a:fld>
             <a:endParaRPr lang="en-US"/>
           </a:p>
@@ -462,7 +462,7 @@
           <a:p>
             <a:fld id="{D4C3FEE2-A06E-CF46-9DEA-A50F2A1D50FA}" type="datetimeFigureOut">
               <a:rPr lang="en-US" smtClean="0"/>
-              <a:t>3/5/25</a:t>
+              <a:t>4/21/25</a:t>
             </a:fld>
             <a:endParaRPr lang="en-US"/>
           </a:p>
@@ -670,7 +670,7 @@
           <a:p>
             <a:fld id="{D4C3FEE2-A06E-CF46-9DEA-A50F2A1D50FA}" type="datetimeFigureOut">
               <a:rPr lang="en-US" smtClean="0"/>
-              <a:t>3/5/25</a:t>
+              <a:t>4/21/25</a:t>
             </a:fld>
             <a:endParaRPr lang="en-US"/>
           </a:p>
@@ -868,7 +868,7 @@
           <a:p>
             <a:fld id="{D4C3FEE2-A06E-CF46-9DEA-A50F2A1D50FA}" type="datetimeFigureOut">
               <a:rPr lang="en-US" smtClean="0"/>
-              <a:t>3/5/25</a:t>
+              <a:t>4/21/25</a:t>
             </a:fld>
             <a:endParaRPr lang="en-US"/>
           </a:p>
@@ -1143,7 +1143,7 @@
           <a:p>
             <a:fld id="{D4C3FEE2-A06E-CF46-9DEA-A50F2A1D50FA}" type="datetimeFigureOut">
               <a:rPr lang="en-US" smtClean="0"/>
-              <a:t>3/5/25</a:t>
+              <a:t>4/21/25</a:t>
             </a:fld>
             <a:endParaRPr lang="en-US"/>
           </a:p>
@@ -1408,7 +1408,7 @@
           <a:p>
             <a:fld id="{D4C3FEE2-A06E-CF46-9DEA-A50F2A1D50FA}" type="datetimeFigureOut">
               <a:rPr lang="en-US" smtClean="0"/>
-              <a:t>3/5/25</a:t>
+              <a:t>4/21/25</a:t>
             </a:fld>
             <a:endParaRPr lang="en-US"/>
           </a:p>
@@ -1820,7 +1820,7 @@
           <a:p>
             <a:fld id="{D4C3FEE2-A06E-CF46-9DEA-A50F2A1D50FA}" type="datetimeFigureOut">
               <a:rPr lang="en-US" smtClean="0"/>
-              <a:t>3/5/25</a:t>
+              <a:t>4/21/25</a:t>
             </a:fld>
             <a:endParaRPr lang="en-US"/>
           </a:p>
@@ -1961,7 +1961,7 @@
           <a:p>
             <a:fld id="{D4C3FEE2-A06E-CF46-9DEA-A50F2A1D50FA}" type="datetimeFigureOut">
               <a:rPr lang="en-US" smtClean="0"/>
-              <a:t>3/5/25</a:t>
+              <a:t>4/21/25</a:t>
             </a:fld>
             <a:endParaRPr lang="en-US"/>
           </a:p>
@@ -2074,7 +2074,7 @@
           <a:p>
             <a:fld id="{D4C3FEE2-A06E-CF46-9DEA-A50F2A1D50FA}" type="datetimeFigureOut">
               <a:rPr lang="en-US" smtClean="0"/>
-              <a:t>3/5/25</a:t>
+              <a:t>4/21/25</a:t>
             </a:fld>
             <a:endParaRPr lang="en-US"/>
           </a:p>
@@ -2385,7 +2385,7 @@
           <a:p>
             <a:fld id="{D4C3FEE2-A06E-CF46-9DEA-A50F2A1D50FA}" type="datetimeFigureOut">
               <a:rPr lang="en-US" smtClean="0"/>
-              <a:t>3/5/25</a:t>
+              <a:t>4/21/25</a:t>
             </a:fld>
             <a:endParaRPr lang="en-US"/>
           </a:p>
@@ -2673,7 +2673,7 @@
           <a:p>
             <a:fld id="{D4C3FEE2-A06E-CF46-9DEA-A50F2A1D50FA}" type="datetimeFigureOut">
               <a:rPr lang="en-US" smtClean="0"/>
-              <a:t>3/5/25</a:t>
+              <a:t>4/21/25</a:t>
             </a:fld>
             <a:endParaRPr lang="en-US"/>
           </a:p>
@@ -2914,7 +2914,7 @@
           <a:p>
             <a:fld id="{D4C3FEE2-A06E-CF46-9DEA-A50F2A1D50FA}" type="datetimeFigureOut">
               <a:rPr lang="en-US" smtClean="0"/>
-              <a:t>3/5/25</a:t>
+              <a:t>4/21/25</a:t>
             </a:fld>
             <a:endParaRPr lang="en-US"/>
           </a:p>
@@ -4613,10 +4613,10 @@
       </p:grpSpPr>
       <p:pic>
         <p:nvPicPr>
-          <p:cNvPr id="3" name="Picture 2">
-            <a:extLst>
-              <a:ext uri="{FF2B5EF4-FFF2-40B4-BE49-F238E27FC236}">
-                <a16:creationId xmlns:a16="http://schemas.microsoft.com/office/drawing/2014/main" id="{217F743D-DCFC-2B62-E47F-154700C646C6}"/>
+          <p:cNvPr id="4" name="Picture 3">
+            <a:extLst>
+              <a:ext uri="{FF2B5EF4-FFF2-40B4-BE49-F238E27FC236}">
+                <a16:creationId xmlns:a16="http://schemas.microsoft.com/office/drawing/2014/main" id="{782F0CBF-5217-EF36-2051-5A3910A5F724}"/>
               </a:ext>
             </a:extLst>
           </p:cNvPr>
@@ -4633,7 +4633,7 @@
         </p:blipFill>
         <p:spPr>
           <a:xfrm>
-            <a:off x="598967" y="1583897"/>
+            <a:off x="601091" y="1589153"/>
             <a:ext cx="10287000" cy="4114800"/>
           </a:xfrm>
           <a:prstGeom prst="rect">
@@ -4655,8 +4655,8 @@
         </p:nvSpPr>
         <p:spPr>
           <a:xfrm rot="16200000" flipH="1">
-            <a:off x="7518951" y="964676"/>
-            <a:ext cx="152150" cy="5963548"/>
+            <a:off x="7277221" y="237681"/>
+            <a:ext cx="163544" cy="6393895"/>
           </a:xfrm>
           <a:prstGeom prst="leftBrace">
             <a:avLst>
@@ -4707,7 +4707,7 @@
         </p:nvSpPr>
         <p:spPr>
           <a:xfrm>
-            <a:off x="6976780" y="3501042"/>
+            <a:off x="6808692" y="2983524"/>
             <a:ext cx="1236492" cy="369332"/>
           </a:xfrm>
           <a:prstGeom prst="rect">
@@ -4759,8 +4759,8 @@
         </p:nvSpPr>
         <p:spPr>
           <a:xfrm rot="16200000" flipH="1">
-            <a:off x="3220579" y="1738646"/>
-            <a:ext cx="152150" cy="2633198"/>
+            <a:off x="3077253" y="1584624"/>
+            <a:ext cx="162223" cy="1980106"/>
           </a:xfrm>
           <a:prstGeom prst="leftBrace">
             <a:avLst>
@@ -4811,7 +4811,7 @@
         </p:nvSpPr>
         <p:spPr>
           <a:xfrm>
-            <a:off x="2678407" y="2609837"/>
+            <a:off x="2597725" y="2124233"/>
             <a:ext cx="1236492" cy="369332"/>
           </a:xfrm>
           <a:prstGeom prst="rect">
